--- a/Game_Project/ch1/fix_2016_2dGP_2nd_project_2012181025_윤진우.pptx
+++ b/Game_Project/ch1/fix_2016_2dGP_2nd_project_2012181025_윤진우.pptx
@@ -5,7 +5,7 @@
     <p:sldMasterId id="2147483648" r:id="rId1"/>
   </p:sldMasterIdLst>
   <p:notesMasterIdLst>
-    <p:notesMasterId r:id="rId8"/>
+    <p:notesMasterId r:id="rId9"/>
   </p:notesMasterIdLst>
   <p:sldIdLst>
     <p:sldId id="256" r:id="rId2"/>
@@ -14,6 +14,7 @@
     <p:sldId id="264" r:id="rId5"/>
     <p:sldId id="265" r:id="rId6"/>
     <p:sldId id="266" r:id="rId7"/>
+    <p:sldId id="268" r:id="rId8"/>
   </p:sldIdLst>
   <p:sldSz cx="9144000" cy="5143500" type="screen16x9"/>
   <p:notesSz cx="6858000" cy="9144000"/>
@@ -5313,7 +5314,7 @@
             <p:ph idx="1"/>
             <p:extLst>
               <p:ext uri="{D42A27DB-BD31-4B8C-83A1-F6EECF244321}">
-                <p14:modId xmlns:p14="http://schemas.microsoft.com/office/powerpoint/2010/main" val="2295630274"/>
+                <p14:modId xmlns:p14="http://schemas.microsoft.com/office/powerpoint/2010/main" val="473401247"/>
               </p:ext>
             </p:extLst>
           </p:nvPr>
@@ -5437,7 +5438,7 @@
                       <a:pPr latinLnBrk="1"/>
                       <a:r>
                         <a:rPr lang="ko-KR" altLang="en-US" sz="1000" b="1" dirty="0"/>
-                        <a:t>각 방향 마다 좌우 앞뒤로 </a:t>
+                        <a:t>각 방향 마다 좌우로 </a:t>
                       </a:r>
                       <a:r>
                         <a:rPr lang="en-US" altLang="ko-KR" sz="1000" b="1" dirty="0"/>
@@ -8231,6 +8232,664 @@
     <p:extLst>
       <p:ext uri="{BB962C8B-B14F-4D97-AF65-F5344CB8AC3E}">
         <p14:creationId xmlns:p14="http://schemas.microsoft.com/office/powerpoint/2010/main" val="2241646886"/>
+      </p:ext>
+    </p:extLst>
+  </p:cSld>
+  <p:clrMapOvr>
+    <a:masterClrMapping/>
+  </p:clrMapOvr>
+</p:sld>
+</file>
+
+<file path=ppt/slides/slide7.xml><?xml version="1.0" encoding="utf-8"?>
+<p:sld xmlns:a="http://schemas.openxmlformats.org/drawingml/2006/main" xmlns:r="http://schemas.openxmlformats.org/officeDocument/2006/relationships" xmlns:p="http://schemas.openxmlformats.org/presentationml/2006/main">
+  <p:cSld>
+    <p:spTree>
+      <p:nvGrpSpPr>
+        <p:cNvPr id="1" name=""/>
+        <p:cNvGrpSpPr/>
+        <p:nvPr/>
+      </p:nvGrpSpPr>
+      <p:grpSpPr>
+        <a:xfrm>
+          <a:off x="0" y="0"/>
+          <a:ext cx="0" cy="0"/>
+          <a:chOff x="0" y="0"/>
+          <a:chExt cx="0" cy="0"/>
+        </a:xfrm>
+      </p:grpSpPr>
+      <p:sp>
+        <p:nvSpPr>
+          <p:cNvPr id="5" name="직사각형 4"/>
+          <p:cNvSpPr/>
+          <p:nvPr/>
+        </p:nvSpPr>
+        <p:spPr>
+          <a:xfrm>
+            <a:off x="247764" y="123478"/>
+            <a:ext cx="8644716" cy="5020021"/>
+          </a:xfrm>
+          <a:prstGeom prst="rect">
+            <a:avLst/>
+          </a:prstGeom>
+          <a:solidFill>
+            <a:schemeClr val="bg1">
+              <a:alpha val="81000"/>
+            </a:schemeClr>
+          </a:solidFill>
+          <a:ln w="63500">
+            <a:solidFill>
+              <a:schemeClr val="accent2">
+                <a:lumMod val="50000"/>
+                <a:alpha val="49000"/>
+              </a:schemeClr>
+            </a:solidFill>
+          </a:ln>
+          <a:effectLst>
+            <a:softEdge rad="127000"/>
+          </a:effectLst>
+        </p:spPr>
+        <p:style>
+          <a:lnRef idx="2">
+            <a:schemeClr val="accent1">
+              <a:shade val="50000"/>
+            </a:schemeClr>
+          </a:lnRef>
+          <a:fillRef idx="1">
+            <a:schemeClr val="accent1"/>
+          </a:fillRef>
+          <a:effectRef idx="0">
+            <a:schemeClr val="accent1"/>
+          </a:effectRef>
+          <a:fontRef idx="minor">
+            <a:schemeClr val="lt1"/>
+          </a:fontRef>
+        </p:style>
+        <p:txBody>
+          <a:bodyPr rtlCol="0" anchor="ctr"/>
+          <a:lstStyle/>
+          <a:p>
+            <a:pPr algn="ctr"/>
+            <a:endParaRPr lang="ko-KR" altLang="en-US" dirty="0">
+              <a:latin typeface="MD개성체" panose="02020603020101020101" pitchFamily="18" charset="-127"/>
+              <a:ea typeface="MD개성체" panose="02020603020101020101" pitchFamily="18" charset="-127"/>
+            </a:endParaRPr>
+          </a:p>
+        </p:txBody>
+      </p:sp>
+      <p:graphicFrame>
+        <p:nvGraphicFramePr>
+          <p:cNvPr id="4" name="표 3"/>
+          <p:cNvGraphicFramePr>
+            <a:graphicFrameLocks noGrp="1"/>
+          </p:cNvGraphicFramePr>
+          <p:nvPr>
+            <p:extLst>
+              <p:ext uri="{D42A27DB-BD31-4B8C-83A1-F6EECF244321}">
+                <p14:modId xmlns:p14="http://schemas.microsoft.com/office/powerpoint/2010/main" val="4138433787"/>
+              </p:ext>
+            </p:extLst>
+          </p:nvPr>
+        </p:nvGraphicFramePr>
+        <p:xfrm>
+          <a:off x="467544" y="926665"/>
+          <a:ext cx="8208912" cy="4021350"/>
+        </p:xfrm>
+        <a:graphic>
+          <a:graphicData uri="http://schemas.openxmlformats.org/drawingml/2006/table">
+            <a:tbl>
+              <a:tblPr firstRow="1" bandRow="1">
+                <a:tableStyleId>{5C22544A-7EE6-4342-B048-85BDC9FD1C3A}</a:tableStyleId>
+              </a:tblPr>
+              <a:tblGrid>
+                <a:gridCol w="3892157">
+                  <a:extLst>
+                    <a:ext uri="{9D8B030D-6E8A-4147-A177-3AD203B41FA5}">
+                      <a16:colId xmlns:a16="http://schemas.microsoft.com/office/drawing/2014/main" val="20000"/>
+                    </a:ext>
+                  </a:extLst>
+                </a:gridCol>
+                <a:gridCol w="4316755">
+                  <a:extLst>
+                    <a:ext uri="{9D8B030D-6E8A-4147-A177-3AD203B41FA5}">
+                      <a16:colId xmlns:a16="http://schemas.microsoft.com/office/drawing/2014/main" val="20001"/>
+                    </a:ext>
+                  </a:extLst>
+                </a:gridCol>
+              </a:tblGrid>
+              <a:tr h="819235">
+                <a:tc>
+                  <a:txBody>
+                    <a:bodyPr/>
+                    <a:lstStyle/>
+                    <a:p>
+                      <a:pPr algn="ctr" latinLnBrk="1"/>
+                      <a:r>
+                        <a:rPr lang="ko-KR" altLang="en-US" sz="1600" dirty="0"/>
+                        <a:t>평가항목</a:t>
+                      </a:r>
+                    </a:p>
+                  </a:txBody>
+                  <a:tcPr>
+                    <a:solidFill>
+                      <a:schemeClr val="accent2">
+                        <a:lumMod val="60000"/>
+                        <a:lumOff val="40000"/>
+                        <a:alpha val="85000"/>
+                      </a:schemeClr>
+                    </a:solidFill>
+                  </a:tcPr>
+                </a:tc>
+                <a:tc>
+                  <a:txBody>
+                    <a:bodyPr/>
+                    <a:lstStyle/>
+                    <a:p>
+                      <a:pPr algn="ctr" latinLnBrk="1"/>
+                      <a:r>
+                        <a:rPr lang="ko-KR" altLang="en-US" sz="1600" dirty="0"/>
+                        <a:t>평가</a:t>
+                      </a:r>
+                      <a:endParaRPr lang="en-US" altLang="ko-KR" sz="1600" dirty="0"/>
+                    </a:p>
+                    <a:p>
+                      <a:pPr algn="ctr" latinLnBrk="1"/>
+                      <a:r>
+                        <a:rPr lang="en-US" altLang="ko-KR" sz="1600" dirty="0"/>
+                        <a:t>(A:</a:t>
+                      </a:r>
+                      <a:r>
+                        <a:rPr lang="ko-KR" altLang="en-US" sz="1600" dirty="0" err="1"/>
+                        <a:t>매우잘함</a:t>
+                      </a:r>
+                      <a:r>
+                        <a:rPr lang="en-US" altLang="ko-KR" sz="1600" dirty="0"/>
+                        <a:t>,B:</a:t>
+                      </a:r>
+                      <a:r>
+                        <a:rPr lang="ko-KR" altLang="en-US" sz="1600" dirty="0"/>
+                        <a:t>잘함</a:t>
+                      </a:r>
+                      <a:r>
+                        <a:rPr lang="en-US" altLang="ko-KR" sz="1600" dirty="0"/>
+                        <a:t>,C:</a:t>
+                      </a:r>
+                      <a:r>
+                        <a:rPr lang="ko-KR" altLang="en-US" sz="1600" dirty="0"/>
+                        <a:t>보통</a:t>
+                      </a:r>
+                      <a:r>
+                        <a:rPr lang="en-US" altLang="ko-KR" sz="1600" dirty="0"/>
+                        <a:t>,D:</a:t>
+                      </a:r>
+                      <a:r>
+                        <a:rPr lang="ko-KR" altLang="en-US" sz="1600" dirty="0"/>
+                        <a:t>못함</a:t>
+                      </a:r>
+                      <a:r>
+                        <a:rPr lang="en-US" altLang="ko-KR" sz="1600" dirty="0"/>
+                        <a:t>,E:</a:t>
+                      </a:r>
+                      <a:r>
+                        <a:rPr lang="ko-KR" altLang="en-US" sz="1600" dirty="0" err="1"/>
+                        <a:t>매우못함</a:t>
+                      </a:r>
+                      <a:r>
+                        <a:rPr lang="en-US" altLang="ko-KR" sz="1600" dirty="0"/>
+                        <a:t>)</a:t>
+                      </a:r>
+                      <a:endParaRPr lang="ko-KR" altLang="en-US" sz="1600" dirty="0"/>
+                    </a:p>
+                  </a:txBody>
+                  <a:tcPr>
+                    <a:solidFill>
+                      <a:schemeClr val="accent2">
+                        <a:lumMod val="60000"/>
+                        <a:lumOff val="40000"/>
+                        <a:alpha val="85000"/>
+                      </a:schemeClr>
+                    </a:solidFill>
+                  </a:tcPr>
+                </a:tc>
+                <a:extLst>
+                  <a:ext uri="{0D108BD9-81ED-4DB2-BD59-A6C34878D82A}">
+                    <a16:rowId xmlns:a16="http://schemas.microsoft.com/office/drawing/2014/main" val="10000"/>
+                  </a:ext>
+                </a:extLst>
+              </a:tr>
+              <a:tr h="524599">
+                <a:tc>
+                  <a:txBody>
+                    <a:bodyPr/>
+                    <a:lstStyle/>
+                    <a:p>
+                      <a:pPr latinLnBrk="1"/>
+                      <a:r>
+                        <a:rPr lang="ko-KR" altLang="en-US" sz="1600" dirty="0"/>
+                        <a:t>발표자료에 포함할 내용을 다 포함했는가</a:t>
+                      </a:r>
+                      <a:r>
+                        <a:rPr lang="en-US" altLang="ko-KR" sz="1600" dirty="0"/>
+                        <a:t>?</a:t>
+                      </a:r>
+                      <a:endParaRPr lang="ko-KR" altLang="en-US" sz="1600" dirty="0"/>
+                    </a:p>
+                  </a:txBody>
+                  <a:tcPr>
+                    <a:solidFill>
+                      <a:schemeClr val="accent2">
+                        <a:lumMod val="60000"/>
+                        <a:lumOff val="40000"/>
+                        <a:alpha val="85000"/>
+                      </a:schemeClr>
+                    </a:solidFill>
+                  </a:tcPr>
+                </a:tc>
+                <a:tc>
+                  <a:txBody>
+                    <a:bodyPr/>
+                    <a:lstStyle/>
+                    <a:p>
+                      <a:pPr algn="ctr" latinLnBrk="1"/>
+                      <a:r>
+                        <a:rPr lang="en-US" altLang="ko-KR" sz="1600" dirty="0"/>
+                        <a:t>A</a:t>
+                      </a:r>
+                      <a:endParaRPr lang="ko-KR" altLang="en-US" sz="1600" dirty="0"/>
+                    </a:p>
+                  </a:txBody>
+                  <a:tcPr>
+                    <a:solidFill>
+                      <a:schemeClr val="accent2">
+                        <a:lumMod val="60000"/>
+                        <a:lumOff val="40000"/>
+                        <a:alpha val="85000"/>
+                      </a:schemeClr>
+                    </a:solidFill>
+                  </a:tcPr>
+                </a:tc>
+                <a:extLst>
+                  <a:ext uri="{0D108BD9-81ED-4DB2-BD59-A6C34878D82A}">
+                    <a16:rowId xmlns:a16="http://schemas.microsoft.com/office/drawing/2014/main" val="10001"/>
+                  </a:ext>
+                </a:extLst>
+              </a:tr>
+              <a:tr h="524599">
+                <a:tc>
+                  <a:txBody>
+                    <a:bodyPr/>
+                    <a:lstStyle/>
+                    <a:p>
+                      <a:pPr latinLnBrk="1"/>
+                      <a:r>
+                        <a:rPr lang="ko-KR" altLang="en-US" sz="1600" dirty="0" err="1"/>
+                        <a:t>게임컨셉이</a:t>
+                      </a:r>
+                      <a:r>
+                        <a:rPr lang="ko-KR" altLang="en-US" sz="1600" dirty="0"/>
+                        <a:t> 잘 표현되었는가</a:t>
+                      </a:r>
+                      <a:r>
+                        <a:rPr lang="en-US" altLang="ko-KR" sz="1600" dirty="0"/>
+                        <a:t>?</a:t>
+                      </a:r>
+                      <a:endParaRPr lang="ko-KR" altLang="en-US" sz="1600" dirty="0"/>
+                    </a:p>
+                  </a:txBody>
+                  <a:tcPr>
+                    <a:solidFill>
+                      <a:schemeClr val="accent2">
+                        <a:lumMod val="60000"/>
+                        <a:lumOff val="40000"/>
+                        <a:alpha val="85000"/>
+                      </a:schemeClr>
+                    </a:solidFill>
+                  </a:tcPr>
+                </a:tc>
+                <a:tc>
+                  <a:txBody>
+                    <a:bodyPr/>
+                    <a:lstStyle/>
+                    <a:p>
+                      <a:pPr algn="ctr" latinLnBrk="1"/>
+                      <a:r>
+                        <a:rPr lang="en-US" altLang="ko-KR" sz="1600" dirty="0"/>
+                        <a:t>B</a:t>
+                      </a:r>
+                      <a:endParaRPr lang="ko-KR" altLang="en-US" sz="1600" dirty="0"/>
+                    </a:p>
+                  </a:txBody>
+                  <a:tcPr>
+                    <a:solidFill>
+                      <a:schemeClr val="accent2">
+                        <a:lumMod val="60000"/>
+                        <a:lumOff val="40000"/>
+                        <a:alpha val="85000"/>
+                      </a:schemeClr>
+                    </a:solidFill>
+                  </a:tcPr>
+                </a:tc>
+                <a:extLst>
+                  <a:ext uri="{0D108BD9-81ED-4DB2-BD59-A6C34878D82A}">
+                    <a16:rowId xmlns:a16="http://schemas.microsoft.com/office/drawing/2014/main" val="10002"/>
+                  </a:ext>
+                </a:extLst>
+              </a:tr>
+              <a:tr h="524599">
+                <a:tc>
+                  <a:txBody>
+                    <a:bodyPr/>
+                    <a:lstStyle/>
+                    <a:p>
+                      <a:pPr latinLnBrk="1"/>
+                      <a:r>
+                        <a:rPr lang="ko-KR" altLang="en-US" sz="1600" dirty="0"/>
+                        <a:t>게임 핵심 </a:t>
+                      </a:r>
+                      <a:r>
+                        <a:rPr lang="ko-KR" altLang="en-US" sz="1600" dirty="0" err="1"/>
+                        <a:t>메카닉의</a:t>
+                      </a:r>
+                      <a:r>
+                        <a:rPr lang="ko-KR" altLang="en-US" sz="1600" dirty="0"/>
+                        <a:t> 제시가 잘 되었는가</a:t>
+                      </a:r>
+                      <a:r>
+                        <a:rPr lang="en-US" altLang="ko-KR" sz="1600" dirty="0"/>
+                        <a:t>?</a:t>
+                      </a:r>
+                      <a:endParaRPr lang="ko-KR" altLang="en-US" sz="1600" dirty="0"/>
+                    </a:p>
+                  </a:txBody>
+                  <a:tcPr>
+                    <a:solidFill>
+                      <a:schemeClr val="accent2">
+                        <a:lumMod val="60000"/>
+                        <a:lumOff val="40000"/>
+                        <a:alpha val="85000"/>
+                      </a:schemeClr>
+                    </a:solidFill>
+                  </a:tcPr>
+                </a:tc>
+                <a:tc>
+                  <a:txBody>
+                    <a:bodyPr/>
+                    <a:lstStyle/>
+                    <a:p>
+                      <a:pPr algn="ctr" latinLnBrk="1"/>
+                      <a:r>
+                        <a:rPr lang="en-US" altLang="ko-KR" sz="1600" dirty="0"/>
+                        <a:t>B</a:t>
+                      </a:r>
+                      <a:endParaRPr lang="ko-KR" altLang="en-US" sz="1600" dirty="0"/>
+                    </a:p>
+                  </a:txBody>
+                  <a:tcPr>
+                    <a:solidFill>
+                      <a:schemeClr val="accent2">
+                        <a:lumMod val="60000"/>
+                        <a:lumOff val="40000"/>
+                        <a:alpha val="85000"/>
+                      </a:schemeClr>
+                    </a:solidFill>
+                  </a:tcPr>
+                </a:tc>
+                <a:extLst>
+                  <a:ext uri="{0D108BD9-81ED-4DB2-BD59-A6C34878D82A}">
+                    <a16:rowId xmlns:a16="http://schemas.microsoft.com/office/drawing/2014/main" val="10003"/>
+                  </a:ext>
+                </a:extLst>
+              </a:tr>
+              <a:tr h="524599">
+                <a:tc>
+                  <a:txBody>
+                    <a:bodyPr/>
+                    <a:lstStyle/>
+                    <a:p>
+                      <a:pPr latinLnBrk="1"/>
+                      <a:r>
+                        <a:rPr lang="ko-KR" altLang="en-US" sz="1600" dirty="0"/>
+                        <a:t>게임 실행 흐름이 잘 표현되었는가</a:t>
+                      </a:r>
+                      <a:r>
+                        <a:rPr lang="en-US" altLang="ko-KR" sz="1600" dirty="0"/>
+                        <a:t>?</a:t>
+                      </a:r>
+                      <a:endParaRPr lang="ko-KR" altLang="en-US" sz="1600" dirty="0"/>
+                    </a:p>
+                  </a:txBody>
+                  <a:tcPr>
+                    <a:solidFill>
+                      <a:schemeClr val="accent2">
+                        <a:lumMod val="60000"/>
+                        <a:lumOff val="40000"/>
+                        <a:alpha val="85000"/>
+                      </a:schemeClr>
+                    </a:solidFill>
+                  </a:tcPr>
+                </a:tc>
+                <a:tc>
+                  <a:txBody>
+                    <a:bodyPr/>
+                    <a:lstStyle/>
+                    <a:p>
+                      <a:pPr algn="ctr" latinLnBrk="1"/>
+                      <a:r>
+                        <a:rPr lang="en-US" altLang="ko-KR" sz="1600" dirty="0"/>
+                        <a:t>A</a:t>
+                      </a:r>
+                      <a:endParaRPr lang="ko-KR" altLang="en-US" sz="1600" dirty="0"/>
+                    </a:p>
+                  </a:txBody>
+                  <a:tcPr>
+                    <a:solidFill>
+                      <a:schemeClr val="accent2">
+                        <a:lumMod val="60000"/>
+                        <a:lumOff val="40000"/>
+                        <a:alpha val="85000"/>
+                      </a:schemeClr>
+                    </a:solidFill>
+                  </a:tcPr>
+                </a:tc>
+                <a:extLst>
+                  <a:ext uri="{0D108BD9-81ED-4DB2-BD59-A6C34878D82A}">
+                    <a16:rowId xmlns:a16="http://schemas.microsoft.com/office/drawing/2014/main" val="10004"/>
+                  </a:ext>
+                </a:extLst>
+              </a:tr>
+              <a:tr h="524599">
+                <a:tc>
+                  <a:txBody>
+                    <a:bodyPr/>
+                    <a:lstStyle/>
+                    <a:p>
+                      <a:pPr latinLnBrk="1"/>
+                      <a:r>
+                        <a:rPr lang="ko-KR" altLang="en-US" sz="1600" dirty="0"/>
+                        <a:t>개발 범위가 구체적이며</a:t>
+                      </a:r>
+                      <a:r>
+                        <a:rPr lang="en-US" altLang="ko-KR" sz="1600" dirty="0"/>
+                        <a:t>,</a:t>
+                      </a:r>
+                      <a:r>
+                        <a:rPr lang="ko-KR" altLang="en-US" sz="1600" dirty="0"/>
+                        <a:t> 측정 가능한가</a:t>
+                      </a:r>
+                      <a:r>
+                        <a:rPr lang="en-US" altLang="ko-KR" sz="1600" dirty="0"/>
+                        <a:t>?</a:t>
+                      </a:r>
+                      <a:endParaRPr lang="ko-KR" altLang="en-US" sz="1600" dirty="0"/>
+                    </a:p>
+                  </a:txBody>
+                  <a:tcPr>
+                    <a:solidFill>
+                      <a:schemeClr val="accent2">
+                        <a:lumMod val="60000"/>
+                        <a:lumOff val="40000"/>
+                        <a:alpha val="85000"/>
+                      </a:schemeClr>
+                    </a:solidFill>
+                  </a:tcPr>
+                </a:tc>
+                <a:tc>
+                  <a:txBody>
+                    <a:bodyPr/>
+                    <a:lstStyle/>
+                    <a:p>
+                      <a:pPr algn="ctr" latinLnBrk="1"/>
+                      <a:r>
+                        <a:rPr lang="en-US" altLang="ko-KR" sz="1600" dirty="0"/>
+                        <a:t>C</a:t>
+                      </a:r>
+                      <a:endParaRPr lang="ko-KR" altLang="en-US" sz="1600" dirty="0"/>
+                    </a:p>
+                  </a:txBody>
+                  <a:tcPr>
+                    <a:solidFill>
+                      <a:schemeClr val="accent2">
+                        <a:lumMod val="60000"/>
+                        <a:lumOff val="40000"/>
+                        <a:alpha val="85000"/>
+                      </a:schemeClr>
+                    </a:solidFill>
+                  </a:tcPr>
+                </a:tc>
+                <a:extLst>
+                  <a:ext uri="{0D108BD9-81ED-4DB2-BD59-A6C34878D82A}">
+                    <a16:rowId xmlns:a16="http://schemas.microsoft.com/office/drawing/2014/main" val="10005"/>
+                  </a:ext>
+                </a:extLst>
+              </a:tr>
+              <a:tr h="524599">
+                <a:tc>
+                  <a:txBody>
+                    <a:bodyPr/>
+                    <a:lstStyle/>
+                    <a:p>
+                      <a:pPr latinLnBrk="1"/>
+                      <a:r>
+                        <a:rPr lang="ko-KR" altLang="en-US" sz="1600" dirty="0"/>
+                        <a:t>개발 계획이 구체적이며 </a:t>
+                      </a:r>
+                      <a:r>
+                        <a:rPr lang="ko-KR" altLang="en-US" sz="1600" dirty="0" err="1"/>
+                        <a:t>실행가능한가</a:t>
+                      </a:r>
+                      <a:r>
+                        <a:rPr lang="en-US" altLang="ko-KR" sz="1600" dirty="0"/>
+                        <a:t>?</a:t>
+                      </a:r>
+                      <a:endParaRPr lang="ko-KR" altLang="en-US" sz="1600" dirty="0"/>
+                    </a:p>
+                  </a:txBody>
+                  <a:tcPr>
+                    <a:solidFill>
+                      <a:schemeClr val="accent2">
+                        <a:lumMod val="60000"/>
+                        <a:lumOff val="40000"/>
+                        <a:alpha val="85000"/>
+                      </a:schemeClr>
+                    </a:solidFill>
+                  </a:tcPr>
+                </a:tc>
+                <a:tc>
+                  <a:txBody>
+                    <a:bodyPr/>
+                    <a:lstStyle/>
+                    <a:p>
+                      <a:pPr algn="ctr" latinLnBrk="1"/>
+                      <a:r>
+                        <a:rPr lang="en-US" altLang="ko-KR" sz="1600" dirty="0"/>
+                        <a:t>D</a:t>
+                      </a:r>
+                      <a:endParaRPr lang="ko-KR" altLang="en-US" sz="1600" dirty="0"/>
+                    </a:p>
+                  </a:txBody>
+                  <a:tcPr>
+                    <a:solidFill>
+                      <a:schemeClr val="accent2">
+                        <a:lumMod val="60000"/>
+                        <a:lumOff val="40000"/>
+                        <a:alpha val="85000"/>
+                      </a:schemeClr>
+                    </a:solidFill>
+                  </a:tcPr>
+                </a:tc>
+                <a:extLst>
+                  <a:ext uri="{0D108BD9-81ED-4DB2-BD59-A6C34878D82A}">
+                    <a16:rowId xmlns:a16="http://schemas.microsoft.com/office/drawing/2014/main" val="10006"/>
+                  </a:ext>
+                </a:extLst>
+              </a:tr>
+            </a:tbl>
+          </a:graphicData>
+        </a:graphic>
+      </p:graphicFrame>
+      <p:sp>
+        <p:nvSpPr>
+          <p:cNvPr id="6" name="직사각형 5"/>
+          <p:cNvSpPr/>
+          <p:nvPr/>
+        </p:nvSpPr>
+        <p:spPr>
+          <a:xfrm>
+            <a:off x="2195736" y="57857"/>
+            <a:ext cx="4217314" cy="923330"/>
+          </a:xfrm>
+          <a:prstGeom prst="rect">
+            <a:avLst/>
+          </a:prstGeom>
+          <a:noFill/>
+        </p:spPr>
+        <p:txBody>
+          <a:bodyPr wrap="square" lIns="91440" tIns="45720" rIns="91440" bIns="45720">
+            <a:spAutoFit/>
+          </a:bodyPr>
+          <a:lstStyle/>
+          <a:p>
+            <a:pPr algn="ctr"/>
+            <a:r>
+              <a:rPr lang="ko-KR" altLang="en-US" sz="5400" b="0" cap="none" spc="0" dirty="0">
+                <a:ln w="0"/>
+                <a:solidFill>
+                  <a:schemeClr val="tx1"/>
+                </a:solidFill>
+                <a:effectLst>
+                  <a:outerShdw blurRad="38100" dist="19050" dir="2700000" algn="tl" rotWithShape="0">
+                    <a:schemeClr val="dk1">
+                      <a:alpha val="40000"/>
+                    </a:schemeClr>
+                  </a:outerShdw>
+                </a:effectLst>
+                <a:latin typeface="MD개성체" panose="02020603020101020101" pitchFamily="18" charset="-127"/>
+                <a:ea typeface="MD개성체" panose="02020603020101020101" pitchFamily="18" charset="-127"/>
+              </a:rPr>
+              <a:t>자 체 평 가 </a:t>
+            </a:r>
+            <a:endParaRPr lang="en-US" altLang="ko-KR" sz="5400" b="0" cap="none" spc="0" dirty="0">
+              <a:ln w="0"/>
+              <a:solidFill>
+                <a:schemeClr val="tx1"/>
+              </a:solidFill>
+              <a:effectLst>
+                <a:outerShdw blurRad="38100" dist="19050" dir="2700000" algn="tl" rotWithShape="0">
+                  <a:schemeClr val="dk1">
+                    <a:alpha val="40000"/>
+                  </a:schemeClr>
+                </a:outerShdw>
+              </a:effectLst>
+              <a:latin typeface="MD개성체" panose="02020603020101020101" pitchFamily="18" charset="-127"/>
+              <a:ea typeface="MD개성체" panose="02020603020101020101" pitchFamily="18" charset="-127"/>
+            </a:endParaRPr>
+          </a:p>
+        </p:txBody>
+      </p:sp>
+    </p:spTree>
+    <p:extLst>
+      <p:ext uri="{BB962C8B-B14F-4D97-AF65-F5344CB8AC3E}">
+        <p14:creationId xmlns:p14="http://schemas.microsoft.com/office/powerpoint/2010/main" val="3526565400"/>
       </p:ext>
     </p:extLst>
   </p:cSld>
